--- a/LIGA DE LAS LEYENDAS.pptx
+++ b/LIGA DE LAS LEYENDAS.pptx
@@ -116,6 +116,11 @@
       </a:defRPr>
     </a:lvl9pPr>
   </p:defaultTextStyle>
+  <p:extLst>
+    <p:ext uri="{EFAFB233-063F-42B5-8137-9DF3F51BA10A}">
+      <p15:sldGuideLst xmlns:p15="http://schemas.microsoft.com/office/powerpoint/2012/main"/>
+    </p:ext>
+  </p:extLst>
 </p:presentation>
 </file>
 
@@ -301,7 +306,7 @@
           <a:p>
             <a:fld id="{48A87A34-81AB-432B-8DAE-1953F412C126}" type="datetimeFigureOut">
               <a:rPr lang="en-US" dirty="0"/>
-              <a:t>10/4/2021</a:t>
+              <a:t>10/5/2021</a:t>
             </a:fld>
             <a:endParaRPr lang="en-US" dirty="0"/>
           </a:p>
@@ -563,7 +568,7 @@
           <a:p>
             <a:fld id="{48A87A34-81AB-432B-8DAE-1953F412C126}" type="datetimeFigureOut">
               <a:rPr lang="en-US" dirty="0"/>
-              <a:t>10/4/2021</a:t>
+              <a:t>10/5/2021</a:t>
             </a:fld>
             <a:endParaRPr lang="en-US" dirty="0"/>
           </a:p>
@@ -790,7 +795,7 @@
             <a:fld id="{48A87A34-81AB-432B-8DAE-1953F412C126}" type="datetimeFigureOut">
               <a:rPr lang="en-US" dirty="0"/>
               <a:pPr/>
-              <a:t>10/4/2021</a:t>
+              <a:t>10/5/2021</a:t>
             </a:fld>
             <a:endParaRPr lang="en-US" dirty="0"/>
           </a:p>
@@ -1096,7 +1101,7 @@
             <a:fld id="{48A87A34-81AB-432B-8DAE-1953F412C126}" type="datetimeFigureOut">
               <a:rPr lang="en-US" dirty="0"/>
               <a:pPr/>
-              <a:t>10/4/2021</a:t>
+              <a:t>10/5/2021</a:t>
             </a:fld>
             <a:endParaRPr lang="en-US" dirty="0"/>
           </a:p>
@@ -1565,7 +1570,7 @@
             <a:fld id="{48A87A34-81AB-432B-8DAE-1953F412C126}" type="datetimeFigureOut">
               <a:rPr lang="en-US" dirty="0"/>
               <a:pPr/>
-              <a:t>10/4/2021</a:t>
+              <a:t>10/5/2021</a:t>
             </a:fld>
             <a:endParaRPr lang="en-US" dirty="0"/>
           </a:p>
@@ -2107,7 +2112,7 @@
           <a:p>
             <a:fld id="{48A87A34-81AB-432B-8DAE-1953F412C126}" type="datetimeFigureOut">
               <a:rPr lang="en-US" dirty="0"/>
-              <a:t>10/4/2021</a:t>
+              <a:t>10/5/2021</a:t>
             </a:fld>
             <a:endParaRPr lang="en-US" dirty="0"/>
           </a:p>
@@ -2876,7 +2881,7 @@
           <a:p>
             <a:fld id="{48A87A34-81AB-432B-8DAE-1953F412C126}" type="datetimeFigureOut">
               <a:rPr lang="en-US" dirty="0"/>
-              <a:t>10/4/2021</a:t>
+              <a:t>10/5/2021</a:t>
             </a:fld>
             <a:endParaRPr lang="en-US" dirty="0"/>
           </a:p>
@@ -3046,7 +3051,7 @@
           <a:p>
             <a:fld id="{48A87A34-81AB-432B-8DAE-1953F412C126}" type="datetimeFigureOut">
               <a:rPr lang="en-US" dirty="0"/>
-              <a:t>10/4/2021</a:t>
+              <a:t>10/5/2021</a:t>
             </a:fld>
             <a:endParaRPr lang="en-US" dirty="0"/>
           </a:p>
@@ -3265,7 +3270,7 @@
             <a:fld id="{48A87A34-81AB-432B-8DAE-1953F412C126}" type="datetimeFigureOut">
               <a:rPr lang="en-US" dirty="0"/>
               <a:pPr/>
-              <a:t>10/4/2021</a:t>
+              <a:t>10/5/2021</a:t>
             </a:fld>
             <a:endParaRPr lang="en-US" dirty="0"/>
           </a:p>
@@ -3440,7 +3445,7 @@
           <a:p>
             <a:fld id="{48A87A34-81AB-432B-8DAE-1953F412C126}" type="datetimeFigureOut">
               <a:rPr lang="en-US" dirty="0"/>
-              <a:t>10/4/2021</a:t>
+              <a:t>10/5/2021</a:t>
             </a:fld>
             <a:endParaRPr lang="en-US" dirty="0"/>
           </a:p>
@@ -3725,7 +3730,7 @@
             <a:fld id="{48A87A34-81AB-432B-8DAE-1953F412C126}" type="datetimeFigureOut">
               <a:rPr lang="en-US" dirty="0"/>
               <a:pPr/>
-              <a:t>10/4/2021</a:t>
+              <a:t>10/5/2021</a:t>
             </a:fld>
             <a:endParaRPr lang="en-US" dirty="0"/>
           </a:p>
@@ -3962,7 +3967,7 @@
           <a:p>
             <a:fld id="{48A87A34-81AB-432B-8DAE-1953F412C126}" type="datetimeFigureOut">
               <a:rPr lang="en-US" dirty="0"/>
-              <a:t>10/4/2021</a:t>
+              <a:t>10/5/2021</a:t>
             </a:fld>
             <a:endParaRPr lang="en-US" dirty="0"/>
           </a:p>
@@ -4336,7 +4341,7 @@
           <a:p>
             <a:fld id="{48A87A34-81AB-432B-8DAE-1953F412C126}" type="datetimeFigureOut">
               <a:rPr lang="en-US" dirty="0"/>
-              <a:t>10/4/2021</a:t>
+              <a:t>10/5/2021</a:t>
             </a:fld>
             <a:endParaRPr lang="en-US" dirty="0"/>
           </a:p>
@@ -4449,7 +4454,7 @@
           <a:p>
             <a:fld id="{48A87A34-81AB-432B-8DAE-1953F412C126}" type="datetimeFigureOut">
               <a:rPr lang="en-US" dirty="0"/>
-              <a:t>10/4/2021</a:t>
+              <a:t>10/5/2021</a:t>
             </a:fld>
             <a:endParaRPr lang="en-US" dirty="0"/>
           </a:p>
@@ -4539,7 +4544,7 @@
           <a:p>
             <a:fld id="{48A87A34-81AB-432B-8DAE-1953F412C126}" type="datetimeFigureOut">
               <a:rPr lang="en-US" dirty="0"/>
-              <a:t>10/4/2021</a:t>
+              <a:t>10/5/2021</a:t>
             </a:fld>
             <a:endParaRPr lang="en-US" dirty="0"/>
           </a:p>
@@ -4783,7 +4788,7 @@
           <a:p>
             <a:fld id="{48A87A34-81AB-432B-8DAE-1953F412C126}" type="datetimeFigureOut">
               <a:rPr lang="en-US" dirty="0"/>
-              <a:t>10/4/2021</a:t>
+              <a:t>10/5/2021</a:t>
             </a:fld>
             <a:endParaRPr lang="en-US" dirty="0"/>
           </a:p>
@@ -5035,7 +5040,7 @@
           <a:p>
             <a:fld id="{48A87A34-81AB-432B-8DAE-1953F412C126}" type="datetimeFigureOut">
               <a:rPr lang="en-US" dirty="0"/>
-              <a:t>10/4/2021</a:t>
+              <a:t>10/5/2021</a:t>
             </a:fld>
             <a:endParaRPr lang="en-US" dirty="0"/>
           </a:p>
@@ -5274,7 +5279,7 @@
             <a:fld id="{48A87A34-81AB-432B-8DAE-1953F412C126}" type="datetimeFigureOut">
               <a:rPr lang="en-US" dirty="0"/>
               <a:pPr/>
-              <a:t>10/4/2021</a:t>
+              <a:t>10/5/2021</a:t>
             </a:fld>
             <a:endParaRPr lang="en-US" dirty="0"/>
           </a:p>
@@ -6417,7 +6422,12 @@
             <p:ph type="title"/>
           </p:nvPr>
         </p:nvSpPr>
-        <p:spPr/>
+        <p:spPr>
+          <a:xfrm>
+            <a:off x="4640510" y="536709"/>
+            <a:ext cx="5007692" cy="1293028"/>
+          </a:xfrm>
+        </p:spPr>
         <p:txBody>
           <a:bodyPr/>
           <a:lstStyle/>
